--- a/HTML & CSS/4. Semantic HTML/Semantic HTML.pptx
+++ b/HTML & CSS/4. Semantic HTML/Semantic HTML.pptx
@@ -5,10 +5,11 @@
     <p:sldMasterId id="2147483660" r:id="rId1"/>
   </p:sldMasterIdLst>
   <p:notesMasterIdLst>
-    <p:notesMasterId r:id="rId3"/>
+    <p:notesMasterId r:id="rId4"/>
   </p:notesMasterIdLst>
   <p:sldIdLst>
     <p:sldId id="277" r:id="rId2"/>
+    <p:sldId id="278" r:id="rId3"/>
   </p:sldIdLst>
   <p:sldSz cx="9144000" cy="6858000" type="screen4x3"/>
   <p:notesSz cx="6858000" cy="9144000"/>
@@ -193,7 +194,7 @@
             <a:fld id="{B604EE6E-D9E8-45CB-BEB5-3A0BC75A6CC2}" type="datetimeFigureOut">
               <a:rPr lang="en-US" smtClean="0"/>
               <a:pPr/>
-              <a:t>1/12/2014</a:t>
+              <a:t>1/28/2014</a:t>
             </a:fld>
             <a:endParaRPr lang="en-US"/>
           </a:p>
@@ -5385,8 +5386,8 @@
         </p:nvSpPr>
         <p:spPr>
           <a:xfrm>
-            <a:off x="228600" y="685800"/>
-            <a:ext cx="8686800" cy="5486400"/>
+            <a:off x="228600" y="381000"/>
+            <a:ext cx="8686800" cy="2133600"/>
           </a:xfrm>
         </p:spPr>
         <p:txBody>
@@ -5441,93 +5442,123 @@
             </a:pPr>
             <a:r>
               <a:rPr lang="en-US" sz="2800" dirty="0" smtClean="0"/>
-              <a:t>Create a web page using semantic HTML by the design in </a:t>
+              <a:t>Create a web page using semantic HTML by the design below</a:t>
             </a:r>
-            <a:r>
-              <a:rPr lang="en-US" sz="2800" dirty="0" smtClean="0">
-                <a:solidFill>
-                  <a:schemeClr val="accent5">
-                    <a:lumMod val="20000"/>
-                    <a:lumOff val="80000"/>
-                  </a:schemeClr>
-                </a:solidFill>
-              </a:rPr>
-              <a:t>homework-design-1.pptx</a:t>
-            </a:r>
-          </a:p>
-          <a:p>
-            <a:pPr marL="514350" indent="-514350">
-              <a:lnSpc>
-                <a:spcPct val="100000"/>
-              </a:lnSpc>
+            <a:endParaRPr lang="en-US" sz="2800" dirty="0" smtClean="0">
+              <a:solidFill>
+                <a:schemeClr val="accent5">
+                  <a:lumMod val="20000"/>
+                  <a:lumOff val="80000"/>
+                </a:schemeClr>
+              </a:solidFill>
+            </a:endParaRPr>
+          </a:p>
+        </p:txBody>
+      </p:sp>
+      <p:pic>
+        <p:nvPicPr>
+          <p:cNvPr id="12" name="Picture 2"/>
+          <p:cNvPicPr>
+            <a:picLocks noChangeAspect="1" noChangeArrowheads="1"/>
+          </p:cNvPicPr>
+          <p:nvPr/>
+        </p:nvPicPr>
+        <p:blipFill>
+          <a:blip r:embed="rId2"/>
+          <a:srcRect l="29375" t="19000" r="14375" b="36000"/>
+          <a:stretch>
+            <a:fillRect/>
+          </a:stretch>
+        </p:blipFill>
+        <p:spPr bwMode="auto">
+          <a:xfrm>
+            <a:off x="1828800" y="2514600"/>
+            <a:ext cx="5410200" cy="2705100"/>
+          </a:xfrm>
+          <a:prstGeom prst="rect">
+            <a:avLst/>
+          </a:prstGeom>
+          <a:noFill/>
+          <a:ln w="9525">
+            <a:noFill/>
+            <a:miter lim="800000"/>
+            <a:headEnd/>
+            <a:tailEnd/>
+          </a:ln>
+          <a:effectLst/>
+        </p:spPr>
+      </p:pic>
+      <p:sp>
+        <p:nvSpPr>
+          <p:cNvPr id="13" name="Rectangle 12"/>
+          <p:cNvSpPr/>
+          <p:nvPr/>
+        </p:nvSpPr>
+        <p:spPr>
+          <a:xfrm>
+            <a:off x="228600" y="5446693"/>
+            <a:ext cx="8305800" cy="954107"/>
+          </a:xfrm>
+          <a:prstGeom prst="rect">
+            <a:avLst/>
+          </a:prstGeom>
+        </p:spPr>
+        <p:txBody>
+          <a:bodyPr wrap="square">
+            <a:spAutoFit/>
+          </a:bodyPr>
+          <a:lstStyle/>
+          <a:p>
+            <a:pPr marL="514350" indent="-514350" fontAlgn="base">
+              <a:spcBef>
+                <a:spcPts val="600"/>
+              </a:spcBef>
+              <a:spcAft>
+                <a:spcPts val="600"/>
+              </a:spcAft>
+              <a:buClr>
+                <a:schemeClr val="accent5">
+                  <a:lumMod val="40000"/>
+                  <a:lumOff val="60000"/>
+                </a:schemeClr>
+              </a:buClr>
+              <a:buSzPct val="70000"/>
               <a:buFont typeface="+mj-lt"/>
-              <a:buAutoNum type="arabicPeriod"/>
+              <a:buAutoNum type="arabicPeriod" startAt="3"/>
+              <a:tabLst>
+                <a:tab pos="282575" algn="l"/>
+              </a:tabLst>
             </a:pPr>
             <a:r>
-              <a:rPr lang="en-US" sz="2800" dirty="0" smtClean="0"/>
-              <a:t>Create a web page using semantic HTML by the design in </a:t>
+              <a:rPr lang="en-US" sz="2800" b="1" dirty="0" smtClean="0">
+                <a:solidFill>
+                  <a:srgbClr val="EBFFD2"/>
+                </a:solidFill>
+                <a:effectLst>
+                  <a:outerShdw blurRad="38100" dist="38100" dir="2700000" algn="tl">
+                    <a:srgbClr val="000000">
+                      <a:alpha val="43137"/>
+                    </a:srgbClr>
+                  </a:outerShdw>
+                </a:effectLst>
+              </a:rPr>
+              <a:t>Create a web page using semantic HTML by the design below</a:t>
             </a:r>
-            <a:r>
-              <a:rPr lang="en-US" sz="2800" dirty="0" smtClean="0">
-                <a:solidFill>
-                  <a:schemeClr val="accent5">
-                    <a:lumMod val="20000"/>
-                    <a:lumOff val="80000"/>
-                  </a:schemeClr>
-                </a:solidFill>
-              </a:rPr>
-              <a:t>homework-design-2.pptx</a:t>
-            </a:r>
-          </a:p>
-          <a:p>
-            <a:pPr marL="800100" lvl="1" indent="-228600">
-              <a:lnSpc>
-                <a:spcPct val="100000"/>
-              </a:lnSpc>
-            </a:pPr>
-            <a:r>
-              <a:rPr lang="en-US" sz="2600" dirty="0" smtClean="0"/>
-              <a:t>*</a:t>
-            </a:r>
-            <a:r>
-              <a:rPr lang="en-US" sz="2600" dirty="0"/>
-              <a:t>Note: do not try to make the same </a:t>
-            </a:r>
-            <a:r>
-              <a:rPr lang="en-US" sz="2600" dirty="0" smtClean="0"/>
-              <a:t>styles in Exercise 2 and Exercise 3</a:t>
-            </a:r>
-            <a:endParaRPr lang="en-US" sz="2600" dirty="0"/>
-          </a:p>
-          <a:p>
-            <a:pPr marL="1154113" lvl="2" indent="-354013">
-              <a:lnSpc>
-                <a:spcPct val="100000"/>
-              </a:lnSpc>
-            </a:pPr>
-            <a:r>
-              <a:rPr lang="en-US" sz="2400" dirty="0" smtClean="0"/>
-              <a:t>Implement just </a:t>
-            </a:r>
-            <a:r>
-              <a:rPr lang="en-US" sz="2400" dirty="0"/>
-              <a:t>the </a:t>
-            </a:r>
-            <a:r>
-              <a:rPr lang="en-US" sz="2400" dirty="0" smtClean="0"/>
-              <a:t>content with its semantics</a:t>
-            </a:r>
-          </a:p>
-          <a:p>
-            <a:pPr marL="862013" lvl="1" indent="-354013">
-              <a:lnSpc>
-                <a:spcPct val="100000"/>
-              </a:lnSpc>
-            </a:pPr>
-            <a:r>
-              <a:rPr lang="en-US" sz="2600" dirty="0" smtClean="0"/>
-              <a:t>Use some kind of approach to support old (non-HTML5-compatible) Web browsers like IE6-IE8</a:t>
-            </a:r>
+            <a:endParaRPr lang="en-US" sz="2800" b="1" dirty="0" smtClean="0">
+              <a:solidFill>
+                <a:schemeClr val="accent5">
+                  <a:lumMod val="20000"/>
+                  <a:lumOff val="80000"/>
+                </a:schemeClr>
+              </a:solidFill>
+              <a:effectLst>
+                <a:outerShdw blurRad="38100" dist="38100" dir="2700000" algn="tl">
+                  <a:srgbClr val="000000">
+                    <a:alpha val="43137"/>
+                  </a:srgbClr>
+                </a:outerShdw>
+              </a:effectLst>
+            </a:endParaRPr>
           </a:p>
         </p:txBody>
       </p:sp>
@@ -5548,6 +5579,186 @@
       </p:par>
     </p:tnLst>
   </p:timing>
+</p:sld>
+</file>
+
+<file path=ppt/slides/slide2.xml><?xml version="1.0" encoding="utf-8"?>
+<p:sld xmlns:a="http://schemas.openxmlformats.org/drawingml/2006/main" xmlns:r="http://schemas.openxmlformats.org/officeDocument/2006/relationships" xmlns:p="http://schemas.openxmlformats.org/presentationml/2006/main" showMasterSp="0">
+  <p:cSld>
+    <p:bg>
+      <p:bgPr>
+        <a:solidFill>
+          <a:schemeClr val="bg1"/>
+        </a:solidFill>
+        <a:effectLst/>
+      </p:bgPr>
+    </p:bg>
+    <p:spTree>
+      <p:nvGrpSpPr>
+        <p:cNvPr id="1" name=""/>
+        <p:cNvGrpSpPr/>
+        <p:nvPr/>
+      </p:nvGrpSpPr>
+      <p:grpSpPr>
+        <a:xfrm>
+          <a:off x="0" y="0"/>
+          <a:ext cx="0" cy="0"/>
+          <a:chOff x="0" y="0"/>
+          <a:chExt cx="0" cy="0"/>
+        </a:xfrm>
+      </p:grpSpPr>
+      <p:sp>
+        <p:nvSpPr>
+          <p:cNvPr id="26" name="Rectangle 25"/>
+          <p:cNvSpPr/>
+          <p:nvPr/>
+        </p:nvSpPr>
+        <p:spPr>
+          <a:xfrm>
+            <a:off x="152400" y="4876800"/>
+            <a:ext cx="8839200" cy="1477328"/>
+          </a:xfrm>
+          <a:prstGeom prst="rect">
+            <a:avLst/>
+          </a:prstGeom>
+        </p:spPr>
+        <p:txBody>
+          <a:bodyPr wrap="square">
+            <a:spAutoFit/>
+          </a:bodyPr>
+          <a:lstStyle/>
+          <a:p>
+            <a:pPr marL="800100" lvl="1" indent="-228600" fontAlgn="base">
+              <a:spcBef>
+                <a:spcPts val="600"/>
+              </a:spcBef>
+              <a:spcAft>
+                <a:spcPts val="600"/>
+              </a:spcAft>
+              <a:buClr>
+                <a:srgbClr val="8FD600"/>
+              </a:buClr>
+              <a:buFont typeface="Wingdings 2" pitchFamily="18" charset="2"/>
+              <a:buChar char=""/>
+            </a:pPr>
+            <a:r>
+              <a:rPr lang="en-US" sz="2000" b="1" dirty="0" smtClean="0">
+                <a:solidFill>
+                  <a:schemeClr val="tx1">
+                    <a:lumMod val="40000"/>
+                    <a:lumOff val="60000"/>
+                  </a:schemeClr>
+                </a:solidFill>
+                <a:effectLst>
+                  <a:outerShdw blurRad="38100" dist="38100" dir="2700000" algn="tl">
+                    <a:srgbClr val="000000">
+                      <a:alpha val="43137"/>
+                    </a:srgbClr>
+                  </a:outerShdw>
+                </a:effectLst>
+              </a:rPr>
+              <a:t>*Note: do not try to make the same styles in Exercise 2 and Exercise 3. </a:t>
+            </a:r>
+            <a:r>
+              <a:rPr lang="en-US" sz="2000" b="1" dirty="0" smtClean="0">
+                <a:solidFill>
+                  <a:srgbClr val="F5FFC2"/>
+                </a:solidFill>
+                <a:effectLst>
+                  <a:outerShdw blurRad="38100" dist="38100" dir="2700000" algn="tl">
+                    <a:srgbClr val="000000">
+                      <a:alpha val="43137"/>
+                    </a:srgbClr>
+                  </a:outerShdw>
+                </a:effectLst>
+              </a:rPr>
+              <a:t>Implement just the content with its semantics</a:t>
+            </a:r>
+          </a:p>
+          <a:p>
+            <a:pPr marL="862013" lvl="1" indent="-354013" fontAlgn="base">
+              <a:spcBef>
+                <a:spcPts val="600"/>
+              </a:spcBef>
+              <a:spcAft>
+                <a:spcPts val="600"/>
+              </a:spcAft>
+              <a:buClr>
+                <a:srgbClr val="8FD600"/>
+              </a:buClr>
+              <a:buFont typeface="Wingdings 2" pitchFamily="18" charset="2"/>
+              <a:buChar char=""/>
+            </a:pPr>
+            <a:r>
+              <a:rPr lang="en-US" sz="2000" b="1" dirty="0" smtClean="0">
+                <a:solidFill>
+                  <a:schemeClr val="tx1">
+                    <a:lumMod val="40000"/>
+                    <a:lumOff val="60000"/>
+                  </a:schemeClr>
+                </a:solidFill>
+                <a:effectLst>
+                  <a:outerShdw blurRad="38100" dist="38100" dir="2700000" algn="tl">
+                    <a:srgbClr val="000000">
+                      <a:alpha val="43137"/>
+                    </a:srgbClr>
+                  </a:outerShdw>
+                </a:effectLst>
+              </a:rPr>
+              <a:t>Use some kind of approach to support old (non-HTML5-compatible) Web browsers like IE6-IE8</a:t>
+            </a:r>
+          </a:p>
+        </p:txBody>
+      </p:sp>
+      <p:pic>
+        <p:nvPicPr>
+          <p:cNvPr id="27" name="Picture 2" descr="C:\Users\dminkov\Desktop\linkedin.png"/>
+          <p:cNvPicPr>
+            <a:picLocks noChangeAspect="1" noChangeArrowheads="1"/>
+          </p:cNvPicPr>
+          <p:nvPr/>
+        </p:nvPicPr>
+        <p:blipFill rotWithShape="1">
+          <a:blip r:embed="rId2" cstate="screen">
+            <a:extLst>
+              <a:ext uri="{28A0092B-C50C-407E-A947-70E740481C1C}">
+                <a14:useLocalDpi xmlns="" xmlns:a14="http://schemas.microsoft.com/office/drawing/2010/main"/>
+              </a:ext>
+            </a:extLst>
+          </a:blip>
+          <a:srcRect/>
+          <a:stretch/>
+        </p:blipFill>
+        <p:spPr bwMode="auto">
+          <a:xfrm>
+            <a:off x="725677" y="457200"/>
+            <a:ext cx="7808723" cy="4114800"/>
+          </a:xfrm>
+          <a:prstGeom prst="rect">
+            <a:avLst/>
+          </a:prstGeom>
+          <a:noFill/>
+          <a:ln>
+            <a:solidFill>
+              <a:schemeClr val="tx1"/>
+            </a:solidFill>
+          </a:ln>
+          <a:extLst>
+            <a:ext uri="{909E8E84-426E-40DD-AFC4-6F175D3DCCD1}">
+              <a14:hiddenFill xmlns="" xmlns:a14="http://schemas.microsoft.com/office/drawing/2010/main">
+                <a:solidFill>
+                  <a:srgbClr val="FFFFFF"/>
+                </a:solidFill>
+              </a14:hiddenFill>
+            </a:ext>
+          </a:extLst>
+        </p:spPr>
+      </p:pic>
+    </p:spTree>
+  </p:cSld>
+  <p:clrMapOvr>
+    <a:masterClrMapping/>
+  </p:clrMapOvr>
 </p:sld>
 </file>
 
